--- a/Project administration/JavaEE_Books.pptx
+++ b/Project administration/JavaEE_Books.pptx
@@ -10039,15 +10039,7 @@
             </a:pPr>
             <a:r>
               <a:rPr lang="de-DE" sz="1600" b="1" u="sng" dirty="0"/>
-              <a:t>Add, </a:t>
-            </a:r>
-            <a:r>
-              <a:rPr lang="de-DE" sz="1600" b="1" u="sng" dirty="0" err="1"/>
-              <a:t>edit</a:t>
-            </a:r>
-            <a:r>
-              <a:rPr lang="de-DE" sz="1600" b="1" u="sng" dirty="0"/>
-              <a:t> </a:t>
+              <a:t>Edit </a:t>
             </a:r>
             <a:r>
               <a:rPr lang="de-DE" sz="1600" b="1" u="sng" dirty="0" err="1"/>
@@ -10128,14 +10120,6 @@
             <a:r>
               <a:rPr lang="de-DE" sz="1600" dirty="0"/>
               <a:t> </a:t>
-            </a:r>
-            <a:r>
-              <a:rPr lang="de-DE" sz="1600" dirty="0" err="1"/>
-              <a:t>add</a:t>
-            </a:r>
-            <a:r>
-              <a:rPr lang="de-DE" sz="1600" dirty="0"/>
-              <a:t>. </a:t>
             </a:r>
             <a:r>
               <a:rPr lang="de-DE" sz="1600" dirty="0" err="1"/>
@@ -10808,7 +10792,7 @@
             <a:pPr algn="l"/>
             <a:r>
               <a:rPr lang="de-DE" dirty="0"/>
-              <a:t>Technology</a:t>
+              <a:t>Technologies</a:t>
             </a:r>
           </a:p>
         </p:txBody>
